--- a/pictures/power_point_cyclistic_v01.pptx
+++ b/pictures/power_point_cyclistic_v01.pptx
@@ -26834,13 +26834,13 @@
   <p:clrMapOvr>
     <a:masterClrMapping/>
   </p:clrMapOvr>
-  <mc:AlternateContent xmlns:mc="http://schemas.openxmlformats.org/markup-compatibility/2006">
-    <mc:Choice xmlns:p14="http://schemas.microsoft.com/office/powerpoint/2010/main" Requires="p14">
+  <mc:AlternateContent xmlns:mc="http://schemas.openxmlformats.org/markup-compatibility/2006" xmlns:p14="http://schemas.microsoft.com/office/powerpoint/2010/main">
+    <mc:Choice Requires="p14">
       <p:transition spd="med" p14:dur="700">
         <p:fade/>
       </p:transition>
     </mc:Choice>
-    <mc:Fallback>
+    <mc:Fallback xmlns="">
       <p:transition spd="med">
         <p:fade/>
       </p:transition>
@@ -27979,13 +27979,13 @@
   <p:clrMapOvr>
     <a:masterClrMapping/>
   </p:clrMapOvr>
-  <mc:AlternateContent xmlns:mc="http://schemas.openxmlformats.org/markup-compatibility/2006">
-    <mc:Choice xmlns:p14="http://schemas.microsoft.com/office/powerpoint/2010/main" Requires="p14">
+  <mc:AlternateContent xmlns:mc="http://schemas.openxmlformats.org/markup-compatibility/2006" xmlns:p14="http://schemas.microsoft.com/office/powerpoint/2010/main">
+    <mc:Choice Requires="p14">
       <p:transition spd="med" p14:dur="700">
         <p:fade/>
       </p:transition>
     </mc:Choice>
-    <mc:Fallback>
+    <mc:Fallback xmlns="">
       <p:transition spd="med">
         <p:fade/>
       </p:transition>
@@ -28573,13 +28573,13 @@
   <p:clrMapOvr>
     <a:masterClrMapping/>
   </p:clrMapOvr>
-  <mc:AlternateContent xmlns:mc="http://schemas.openxmlformats.org/markup-compatibility/2006">
-    <mc:Choice xmlns:p14="http://schemas.microsoft.com/office/powerpoint/2010/main" Requires="p14">
+  <mc:AlternateContent xmlns:mc="http://schemas.openxmlformats.org/markup-compatibility/2006" xmlns:p14="http://schemas.microsoft.com/office/powerpoint/2010/main">
+    <mc:Choice Requires="p14">
       <p:transition spd="med" p14:dur="700">
         <p:fade/>
       </p:transition>
     </mc:Choice>
-    <mc:Fallback>
+    <mc:Fallback xmlns="">
       <p:transition spd="med">
         <p:fade/>
       </p:transition>
@@ -29178,13 +29178,13 @@
   <p:clrMapOvr>
     <a:masterClrMapping/>
   </p:clrMapOvr>
-  <mc:AlternateContent xmlns:mc="http://schemas.openxmlformats.org/markup-compatibility/2006">
-    <mc:Choice xmlns:p14="http://schemas.microsoft.com/office/powerpoint/2010/main" Requires="p14">
+  <mc:AlternateContent xmlns:mc="http://schemas.openxmlformats.org/markup-compatibility/2006" xmlns:p14="http://schemas.microsoft.com/office/powerpoint/2010/main">
+    <mc:Choice Requires="p14">
       <p:transition spd="med" p14:dur="700">
         <p:fade/>
       </p:transition>
     </mc:Choice>
-    <mc:Fallback>
+    <mc:Fallback xmlns="">
       <p:transition spd="med">
         <p:fade/>
       </p:transition>
@@ -29465,13 +29465,13 @@
   <p:clrMapOvr>
     <a:masterClrMapping/>
   </p:clrMapOvr>
-  <mc:AlternateContent xmlns:mc="http://schemas.openxmlformats.org/markup-compatibility/2006">
-    <mc:Choice xmlns:p14="http://schemas.microsoft.com/office/powerpoint/2010/main" Requires="p14">
+  <mc:AlternateContent xmlns:mc="http://schemas.openxmlformats.org/markup-compatibility/2006" xmlns:p14="http://schemas.microsoft.com/office/powerpoint/2010/main">
+    <mc:Choice Requires="p14">
       <p:transition spd="med" p14:dur="700">
         <p:fade/>
       </p:transition>
     </mc:Choice>
-    <mc:Fallback>
+    <mc:Fallback xmlns="">
       <p:transition spd="med">
         <p:fade/>
       </p:transition>
@@ -29631,13 +29631,13 @@
   <p:clrMapOvr>
     <a:masterClrMapping/>
   </p:clrMapOvr>
-  <mc:AlternateContent xmlns:mc="http://schemas.openxmlformats.org/markup-compatibility/2006">
-    <mc:Choice xmlns:p14="http://schemas.microsoft.com/office/powerpoint/2010/main" Requires="p14">
+  <mc:AlternateContent xmlns:mc="http://schemas.openxmlformats.org/markup-compatibility/2006" xmlns:p14="http://schemas.microsoft.com/office/powerpoint/2010/main">
+    <mc:Choice Requires="p14">
       <p:transition spd="med" p14:dur="700">
         <p:fade/>
       </p:transition>
     </mc:Choice>
-    <mc:Fallback>
+    <mc:Fallback xmlns="">
       <p:transition spd="med">
         <p:fade/>
       </p:transition>
@@ -30438,20 +30438,20 @@
 </file>
 
 <file path=customXml/item1.xml><?xml version="1.0" encoding="utf-8"?>
-<p:properties xmlns:p="http://schemas.microsoft.com/office/2006/metadata/properties" xmlns:xsi="http://www.w3.org/2001/XMLSchema-instance" xmlns:pc="http://schemas.microsoft.com/office/infopath/2007/PartnerControls">
-  <documentManagement>
-    <MediaServiceKeyPoints xmlns="71af3243-3dd4-4a8d-8c0d-dd76da1f02a5" xsi:nil="true"/>
-  </documentManagement>
-</p:properties>
-</file>
-
-<file path=customXml/item2.xml><?xml version="1.0" encoding="utf-8"?>
 <?mso-contentType ?>
 <FormTemplates xmlns="http://schemas.microsoft.com/sharepoint/v3/contenttype/forms">
   <Display>DocumentLibraryForm</Display>
   <Edit>DocumentLibraryForm</Edit>
   <New>DocumentLibraryForm</New>
 </FormTemplates>
+</file>
+
+<file path=customXml/item2.xml><?xml version="1.0" encoding="utf-8"?>
+<p:properties xmlns:p="http://schemas.microsoft.com/office/2006/metadata/properties" xmlns:xsi="http://www.w3.org/2001/XMLSchema-instance" xmlns:pc="http://schemas.microsoft.com/office/infopath/2007/PartnerControls">
+  <documentManagement>
+    <MediaServiceKeyPoints xmlns="71af3243-3dd4-4a8d-8c0d-dd76da1f02a5" xsi:nil="true"/>
+  </documentManagement>
+</p:properties>
 </file>
 
 <file path=customXml/item3.xml><?xml version="1.0" encoding="utf-8"?>
@@ -30666,19 +30666,19 @@
 </file>
 
 <file path=customXml/itemProps1.xml><?xml version="1.0" encoding="utf-8"?>
+<ds:datastoreItem xmlns:ds="http://schemas.openxmlformats.org/officeDocument/2006/customXml" ds:itemID="{5B26E0C9-B2AA-42E6-97B6-E1B7D9EAF129}">
+  <ds:schemaRefs>
+    <ds:schemaRef ds:uri="http://schemas.microsoft.com/sharepoint/v3/contenttype/forms"/>
+  </ds:schemaRefs>
+</ds:datastoreItem>
+</file>
+
+<file path=customXml/itemProps2.xml><?xml version="1.0" encoding="utf-8"?>
 <ds:datastoreItem xmlns:ds="http://schemas.openxmlformats.org/officeDocument/2006/customXml" ds:itemID="{F5757914-1161-4661-9696-421FD6935CDD}">
   <ds:schemaRefs>
     <ds:schemaRef ds:uri="http://schemas.microsoft.com/office/2006/metadata/properties"/>
     <ds:schemaRef ds:uri="http://schemas.microsoft.com/office/infopath/2007/PartnerControls"/>
     <ds:schemaRef ds:uri="71af3243-3dd4-4a8d-8c0d-dd76da1f02a5"/>
-  </ds:schemaRefs>
-</ds:datastoreItem>
-</file>
-
-<file path=customXml/itemProps2.xml><?xml version="1.0" encoding="utf-8"?>
-<ds:datastoreItem xmlns:ds="http://schemas.openxmlformats.org/officeDocument/2006/customXml" ds:itemID="{5B26E0C9-B2AA-42E6-97B6-E1B7D9EAF129}">
-  <ds:schemaRefs>
-    <ds:schemaRef ds:uri="http://schemas.microsoft.com/sharepoint/v3/contenttype/forms"/>
   </ds:schemaRefs>
 </ds:datastoreItem>
 </file>
